--- a/React2.pptx
+++ b/React2.pptx
@@ -3320,7 +3320,7 @@
           </a:ln>
           <a:extLst>
             <a:ext uri="{C572A759-6A51-4108-AA02-DFA0A04FC94B}">
-              <ma14:wrappingTextBoxFlag xmlns:ma14="http://schemas.microsoft.com/office/mac/drawingml/2011/main" xmlns:a14="http://schemas.microsoft.com/office/drawing/2010/main" xmlns:m="http://schemas.openxmlformats.org/officeDocument/2006/math" xmlns="" val="1"/>
+              <ma14:wrappingTextBoxFlag xmlns="" xmlns:m="http://schemas.openxmlformats.org/officeDocument/2006/math" xmlns:a14="http://schemas.microsoft.com/office/drawing/2010/main" xmlns:ma14="http://schemas.microsoft.com/office/mac/drawingml/2011/main" val="1"/>
             </a:ext>
           </a:extLst>
         </p:spPr>
@@ -3959,7 +3959,7 @@
           </a:ln>
           <a:extLst>
             <a:ext uri="{C572A759-6A51-4108-AA02-DFA0A04FC94B}">
-              <ma14:wrappingTextBoxFlag xmlns:ma14="http://schemas.microsoft.com/office/mac/drawingml/2011/main" xmlns:a14="http://schemas.microsoft.com/office/drawing/2010/main" xmlns:m="http://schemas.openxmlformats.org/officeDocument/2006/math" xmlns="" val="1"/>
+              <ma14:wrappingTextBoxFlag xmlns="" xmlns:m="http://schemas.openxmlformats.org/officeDocument/2006/math" xmlns:a14="http://schemas.microsoft.com/office/drawing/2010/main" xmlns:ma14="http://schemas.microsoft.com/office/mac/drawingml/2011/main" val="1"/>
             </a:ext>
           </a:extLst>
         </p:spPr>
@@ -5395,7 +5395,7 @@
           </a:ln>
           <a:extLst>
             <a:ext uri="{C572A759-6A51-4108-AA02-DFA0A04FC94B}">
-              <ma14:wrappingTextBoxFlag xmlns:ma14="http://schemas.microsoft.com/office/mac/drawingml/2011/main" xmlns:a14="http://schemas.microsoft.com/office/drawing/2010/main" xmlns:m="http://schemas.openxmlformats.org/officeDocument/2006/math" xmlns="" val="1"/>
+              <ma14:wrappingTextBoxFlag xmlns="" xmlns:m="http://schemas.openxmlformats.org/officeDocument/2006/math" xmlns:a14="http://schemas.microsoft.com/office/drawing/2010/main" xmlns:ma14="http://schemas.microsoft.com/office/mac/drawingml/2011/main" val="1"/>
             </a:ext>
           </a:extLst>
         </p:spPr>
@@ -5438,7 +5438,7 @@
           </a:ln>
           <a:extLst>
             <a:ext uri="{C572A759-6A51-4108-AA02-DFA0A04FC94B}">
-              <ma14:wrappingTextBoxFlag xmlns:ma14="http://schemas.microsoft.com/office/mac/drawingml/2011/main" xmlns:a14="http://schemas.microsoft.com/office/drawing/2010/main" xmlns:m="http://schemas.openxmlformats.org/officeDocument/2006/math" xmlns="" val="1"/>
+              <ma14:wrappingTextBoxFlag xmlns="" xmlns:m="http://schemas.openxmlformats.org/officeDocument/2006/math" xmlns:a14="http://schemas.microsoft.com/office/drawing/2010/main" xmlns:ma14="http://schemas.microsoft.com/office/mac/drawingml/2011/main" val="1"/>
             </a:ext>
           </a:extLst>
         </p:spPr>
@@ -13465,8 +13465,8 @@
         </p:nvSpPr>
         <p:spPr>
           <a:xfrm>
-            <a:off x="1206500" y="6063917"/>
-            <a:ext cx="21971000" cy="3037950"/>
+            <a:off x="1206500" y="4898571"/>
+            <a:ext cx="21971000" cy="6242438"/>
           </a:xfrm>
           <a:prstGeom prst="rect">
             <a:avLst/>
@@ -13477,6 +13477,190 @@
             <a:normAutofit/>
           </a:bodyPr>
           <a:lstStyle/>
+          <a:p>
+            <a:pPr marL="457200" indent="-457200" algn="l" rtl="0" fontAlgn="base">
+              <a:spcBef>
+                <a:spcPts val="0"/>
+              </a:spcBef>
+              <a:spcAft>
+                <a:spcPts val="0"/>
+              </a:spcAft>
+              <a:buFont typeface="Arial" panose="020B0604020202020204" pitchFamily="34" charset="0"/>
+              <a:buChar char="•"/>
+            </a:pPr>
+            <a:r>
+              <a:rPr lang="en-US" sz="4400" b="0" i="0" u="none" strike="noStrike" dirty="0">
+                <a:solidFill>
+                  <a:srgbClr val="FFFFFF"/>
+                </a:solidFill>
+                <a:effectLst/>
+                <a:latin typeface="Helvetica" panose="020B0604020202020204" pitchFamily="34" charset="0"/>
+                <a:cs typeface="Helvetica" panose="020B0604020202020204" pitchFamily="34" charset="0"/>
+              </a:rPr>
+              <a:t>UI design </a:t>
+            </a:r>
+          </a:p>
+          <a:p>
+            <a:pPr marL="457200" indent="-457200" algn="l" rtl="0" fontAlgn="base">
+              <a:spcBef>
+                <a:spcPts val="0"/>
+              </a:spcBef>
+              <a:spcAft>
+                <a:spcPts val="0"/>
+              </a:spcAft>
+              <a:buFont typeface="Arial" panose="020B0604020202020204" pitchFamily="34" charset="0"/>
+              <a:buChar char="•"/>
+            </a:pPr>
+            <a:r>
+              <a:rPr lang="en-US" sz="4400" b="0" i="0" u="none" strike="noStrike" dirty="0">
+                <a:solidFill>
+                  <a:srgbClr val="FFFFFF"/>
+                </a:solidFill>
+                <a:effectLst/>
+                <a:latin typeface="Helvetica" panose="020B0604020202020204" pitchFamily="34" charset="0"/>
+                <a:cs typeface="Helvetica" panose="020B0604020202020204" pitchFamily="34" charset="0"/>
+              </a:rPr>
+              <a:t>Creating React Components </a:t>
+            </a:r>
+          </a:p>
+          <a:p>
+            <a:pPr marL="457200" indent="-457200" algn="l" rtl="0" fontAlgn="base">
+              <a:spcBef>
+                <a:spcPts val="0"/>
+              </a:spcBef>
+              <a:spcAft>
+                <a:spcPts val="0"/>
+              </a:spcAft>
+              <a:buFont typeface="Arial" panose="020B0604020202020204" pitchFamily="34" charset="0"/>
+              <a:buChar char="•"/>
+            </a:pPr>
+            <a:r>
+              <a:rPr lang="en-US" sz="4400" b="0" i="0" u="none" strike="noStrike" dirty="0">
+                <a:solidFill>
+                  <a:srgbClr val="FFFFFF"/>
+                </a:solidFill>
+                <a:effectLst/>
+                <a:latin typeface="Helvetica" panose="020B0604020202020204" pitchFamily="34" charset="0"/>
+                <a:cs typeface="Helvetica" panose="020B0604020202020204" pitchFamily="34" charset="0"/>
+              </a:rPr>
+              <a:t>What Data Should be Stored in What State?</a:t>
+            </a:r>
+          </a:p>
+          <a:p>
+            <a:pPr marL="457200" indent="-457200" algn="l" rtl="0" fontAlgn="base">
+              <a:spcBef>
+                <a:spcPts val="0"/>
+              </a:spcBef>
+              <a:spcAft>
+                <a:spcPts val="0"/>
+              </a:spcAft>
+              <a:buFont typeface="Arial" panose="020B0604020202020204" pitchFamily="34" charset="0"/>
+              <a:buChar char="•"/>
+            </a:pPr>
+            <a:r>
+              <a:rPr lang="en-US" sz="4400" b="0" i="0" u="none" strike="noStrike" dirty="0">
+                <a:solidFill>
+                  <a:srgbClr val="FFFFFF"/>
+                </a:solidFill>
+                <a:effectLst/>
+                <a:latin typeface="Helvetica" panose="020B0604020202020204" pitchFamily="34" charset="0"/>
+                <a:cs typeface="Helvetica" panose="020B0604020202020204" pitchFamily="34" charset="0"/>
+              </a:rPr>
+              <a:t>Props vs state</a:t>
+            </a:r>
+          </a:p>
+          <a:p>
+            <a:pPr marL="457200" indent="-457200" algn="l" rtl="0" fontAlgn="base">
+              <a:spcBef>
+                <a:spcPts val="0"/>
+              </a:spcBef>
+              <a:spcAft>
+                <a:spcPts val="0"/>
+              </a:spcAft>
+              <a:buFont typeface="Arial" panose="020B0604020202020204" pitchFamily="34" charset="0"/>
+              <a:buChar char="•"/>
+            </a:pPr>
+            <a:r>
+              <a:rPr lang="en-US" sz="4400" b="0" i="0" u="none" strike="noStrike" dirty="0">
+                <a:solidFill>
+                  <a:srgbClr val="FFFFFF"/>
+                </a:solidFill>
+                <a:effectLst/>
+                <a:latin typeface="Helvetica" panose="020B0604020202020204" pitchFamily="34" charset="0"/>
+                <a:cs typeface="Helvetica" panose="020B0604020202020204" pitchFamily="34" charset="0"/>
+              </a:rPr>
+              <a:t>The app.js component </a:t>
+            </a:r>
+          </a:p>
+          <a:p>
+            <a:pPr marL="457200" indent="-457200" algn="l" rtl="0" fontAlgn="base">
+              <a:spcBef>
+                <a:spcPts val="0"/>
+              </a:spcBef>
+              <a:spcAft>
+                <a:spcPts val="0"/>
+              </a:spcAft>
+              <a:buFont typeface="Arial" panose="020B0604020202020204" pitchFamily="34" charset="0"/>
+              <a:buChar char="•"/>
+            </a:pPr>
+            <a:r>
+              <a:rPr lang="en-US" sz="4400" b="0" i="0" u="none" strike="noStrike" dirty="0">
+                <a:solidFill>
+                  <a:srgbClr val="FFFFFF"/>
+                </a:solidFill>
+                <a:effectLst/>
+                <a:latin typeface="Helvetica" panose="020B0604020202020204" pitchFamily="34" charset="0"/>
+                <a:cs typeface="Helvetica" panose="020B0604020202020204" pitchFamily="34" charset="0"/>
+              </a:rPr>
+              <a:t>Dynamic React Components</a:t>
+            </a:r>
+          </a:p>
+          <a:p>
+            <a:pPr marL="457200" indent="-457200" algn="l" rtl="0" fontAlgn="base">
+              <a:spcBef>
+                <a:spcPts val="0"/>
+              </a:spcBef>
+              <a:spcAft>
+                <a:spcPts val="0"/>
+              </a:spcAft>
+              <a:buFont typeface="Arial" panose="020B0604020202020204" pitchFamily="34" charset="0"/>
+              <a:buChar char="•"/>
+            </a:pPr>
+            <a:r>
+              <a:rPr lang="en-US" sz="4400" b="0" i="0" u="none" strike="noStrike" dirty="0">
+                <a:solidFill>
+                  <a:srgbClr val="FFFFFF"/>
+                </a:solidFill>
+                <a:effectLst/>
+                <a:latin typeface="Helvetica" panose="020B0604020202020204" pitchFamily="34" charset="0"/>
+                <a:cs typeface="Helvetica" panose="020B0604020202020204" pitchFamily="34" charset="0"/>
+              </a:rPr>
+              <a:t>Render Components using if Statements</a:t>
+            </a:r>
+          </a:p>
+          <a:p>
+            <a:pPr marL="457200" indent="-457200" algn="l" rtl="0" fontAlgn="base">
+              <a:spcBef>
+                <a:spcPts val="0"/>
+              </a:spcBef>
+              <a:spcAft>
+                <a:spcPts val="0"/>
+              </a:spcAft>
+              <a:buFont typeface="Arial" panose="020B0604020202020204" pitchFamily="34" charset="0"/>
+              <a:buChar char="•"/>
+            </a:pPr>
+            <a:r>
+              <a:rPr lang="en-US" sz="4400" b="0" i="0" u="none" strike="noStrike" dirty="0">
+                <a:solidFill>
+                  <a:srgbClr val="FFFFFF"/>
+                </a:solidFill>
+                <a:effectLst/>
+                <a:latin typeface="Helvetica" panose="020B0604020202020204" pitchFamily="34" charset="0"/>
+                <a:cs typeface="Helvetica" panose="020B0604020202020204" pitchFamily="34" charset="0"/>
+              </a:rPr>
+              <a:t>Render Multiple Components Using Lists</a:t>
+            </a:r>
+          </a:p>
           <a:p>
             <a:pPr marL="933450" lvl="0" indent="-857250" algn="l" rtl="0">
               <a:lnSpc>
@@ -13495,10 +13679,12 @@
               <a:buFont typeface="Arial" panose="020B0604020202020204" pitchFamily="34" charset="0"/>
               <a:buChar char="•"/>
             </a:pPr>
-            <a:endParaRPr lang="en-US" sz="6000" dirty="0">
+            <a:endParaRPr lang="en-US" sz="13800" dirty="0">
               <a:solidFill>
                 <a:schemeClr val="bg1"/>
               </a:solidFill>
+              <a:latin typeface="Helvetica" panose="020B0604020202020204" pitchFamily="34" charset="0"/>
+              <a:cs typeface="Helvetica" panose="020B0604020202020204" pitchFamily="34" charset="0"/>
             </a:endParaRPr>
           </a:p>
         </p:txBody>
